--- a/docs/diagrams/GameManagerSequenceDiagram.pptx
+++ b/docs/diagrams/GameManagerSequenceDiagram.pptx
@@ -208,7 +208,7 @@
           <a:p>
             <a:fld id="{F5CC4B3F-88C1-4FFA-B1B6-F41C21DC6924}" type="datetimeFigureOut">
               <a:rPr lang="en-US" smtClean="0"/>
-              <a:t>11/1/2018</a:t>
+              <a:t>11/12/2018</a:t>
             </a:fld>
             <a:endParaRPr lang="en-US"/>
           </a:p>
@@ -738,7 +738,7 @@
           <a:p>
             <a:fld id="{78C97017-6FC3-485B-9764-EAC9E56C1D49}" type="datetimeFigureOut">
               <a:rPr lang="en-US" smtClean="0"/>
-              <a:t>11/1/2018</a:t>
+              <a:t>11/12/2018</a:t>
             </a:fld>
             <a:endParaRPr lang="en-US"/>
           </a:p>
@@ -906,7 +906,7 @@
           <a:p>
             <a:fld id="{78C97017-6FC3-485B-9764-EAC9E56C1D49}" type="datetimeFigureOut">
               <a:rPr lang="en-US" smtClean="0"/>
-              <a:t>11/1/2018</a:t>
+              <a:t>11/12/2018</a:t>
             </a:fld>
             <a:endParaRPr lang="en-US"/>
           </a:p>
@@ -1084,7 +1084,7 @@
           <a:p>
             <a:fld id="{78C97017-6FC3-485B-9764-EAC9E56C1D49}" type="datetimeFigureOut">
               <a:rPr lang="en-US" smtClean="0"/>
-              <a:t>11/1/2018</a:t>
+              <a:t>11/12/2018</a:t>
             </a:fld>
             <a:endParaRPr lang="en-US"/>
           </a:p>
@@ -1252,7 +1252,7 @@
           <a:p>
             <a:fld id="{78C97017-6FC3-485B-9764-EAC9E56C1D49}" type="datetimeFigureOut">
               <a:rPr lang="en-US" smtClean="0"/>
-              <a:t>11/1/2018</a:t>
+              <a:t>11/12/2018</a:t>
             </a:fld>
             <a:endParaRPr lang="en-US"/>
           </a:p>
@@ -1497,7 +1497,7 @@
           <a:p>
             <a:fld id="{78C97017-6FC3-485B-9764-EAC9E56C1D49}" type="datetimeFigureOut">
               <a:rPr lang="en-US" smtClean="0"/>
-              <a:t>11/1/2018</a:t>
+              <a:t>11/12/2018</a:t>
             </a:fld>
             <a:endParaRPr lang="en-US"/>
           </a:p>
@@ -1782,7 +1782,7 @@
           <a:p>
             <a:fld id="{78C97017-6FC3-485B-9764-EAC9E56C1D49}" type="datetimeFigureOut">
               <a:rPr lang="en-US" smtClean="0"/>
-              <a:t>11/1/2018</a:t>
+              <a:t>11/12/2018</a:t>
             </a:fld>
             <a:endParaRPr lang="en-US"/>
           </a:p>
@@ -2201,7 +2201,7 @@
           <a:p>
             <a:fld id="{78C97017-6FC3-485B-9764-EAC9E56C1D49}" type="datetimeFigureOut">
               <a:rPr lang="en-US" smtClean="0"/>
-              <a:t>11/1/2018</a:t>
+              <a:t>11/12/2018</a:t>
             </a:fld>
             <a:endParaRPr lang="en-US"/>
           </a:p>
@@ -2318,7 +2318,7 @@
           <a:p>
             <a:fld id="{78C97017-6FC3-485B-9764-EAC9E56C1D49}" type="datetimeFigureOut">
               <a:rPr lang="en-US" smtClean="0"/>
-              <a:t>11/1/2018</a:t>
+              <a:t>11/12/2018</a:t>
             </a:fld>
             <a:endParaRPr lang="en-US"/>
           </a:p>
@@ -2413,7 +2413,7 @@
           <a:p>
             <a:fld id="{78C97017-6FC3-485B-9764-EAC9E56C1D49}" type="datetimeFigureOut">
               <a:rPr lang="en-US" smtClean="0"/>
-              <a:t>11/1/2018</a:t>
+              <a:t>11/12/2018</a:t>
             </a:fld>
             <a:endParaRPr lang="en-US"/>
           </a:p>
@@ -2688,7 +2688,7 @@
           <a:p>
             <a:fld id="{78C97017-6FC3-485B-9764-EAC9E56C1D49}" type="datetimeFigureOut">
               <a:rPr lang="en-US" smtClean="0"/>
-              <a:t>11/1/2018</a:t>
+              <a:t>11/12/2018</a:t>
             </a:fld>
             <a:endParaRPr lang="en-US"/>
           </a:p>
@@ -2940,7 +2940,7 @@
           <a:p>
             <a:fld id="{78C97017-6FC3-485B-9764-EAC9E56C1D49}" type="datetimeFigureOut">
               <a:rPr lang="en-US" smtClean="0"/>
-              <a:t>11/1/2018</a:t>
+              <a:t>11/12/2018</a:t>
             </a:fld>
             <a:endParaRPr lang="en-US"/>
           </a:p>
@@ -3151,7 +3151,7 @@
           <a:p>
             <a:fld id="{78C97017-6FC3-485B-9764-EAC9E56C1D49}" type="datetimeFigureOut">
               <a:rPr lang="en-US" smtClean="0"/>
-              <a:t>11/1/2018</a:t>
+              <a:t>11/12/2018</a:t>
             </a:fld>
             <a:endParaRPr lang="en-US"/>
           </a:p>
@@ -3534,8 +3534,8 @@
         </p:nvSpPr>
         <p:spPr>
           <a:xfrm>
-            <a:off x="533400" y="304800"/>
-            <a:ext cx="7464164" cy="4343400"/>
+            <a:off x="558179" y="353518"/>
+            <a:ext cx="8534400" cy="4343400"/>
           </a:xfrm>
           <a:prstGeom prst="roundRect">
             <a:avLst>
@@ -4293,8 +4293,8 @@
         </p:nvSpPr>
         <p:spPr>
           <a:xfrm>
-            <a:off x="6419274" y="1630760"/>
-            <a:ext cx="115803" cy="1395642"/>
+            <a:off x="6389588" y="1638101"/>
+            <a:ext cx="139707" cy="2368731"/>
           </a:xfrm>
           <a:prstGeom prst="rect">
             <a:avLst/>
@@ -4346,8 +4346,8 @@
         </p:nvSpPr>
         <p:spPr>
           <a:xfrm>
-            <a:off x="6509288" y="1752600"/>
-            <a:ext cx="115803" cy="346761"/>
+            <a:off x="6518174" y="1984477"/>
+            <a:ext cx="103073" cy="800532"/>
           </a:xfrm>
           <a:prstGeom prst="rect">
             <a:avLst/>
@@ -4399,8 +4399,8 @@
         </p:nvSpPr>
         <p:spPr>
           <a:xfrm>
-            <a:off x="6504495" y="2362200"/>
-            <a:ext cx="115803" cy="346761"/>
+            <a:off x="6497611" y="3188683"/>
+            <a:ext cx="94754" cy="605150"/>
           </a:xfrm>
           <a:prstGeom prst="rect">
             <a:avLst/>
@@ -4590,7 +4590,7 @@
         </p:nvGrpSpPr>
         <p:grpSpPr>
           <a:xfrm>
-            <a:off x="6540566" y="1636514"/>
+            <a:off x="6537293" y="1857245"/>
             <a:ext cx="254000" cy="124114"/>
             <a:chOff x="6832600" y="1470025"/>
             <a:chExt cx="254000" cy="124114"/>
@@ -4728,7 +4728,7 @@
         </p:nvGrpSpPr>
         <p:grpSpPr>
           <a:xfrm>
-            <a:off x="6535804" y="2270498"/>
+            <a:off x="6504171" y="3091999"/>
             <a:ext cx="254000" cy="91702"/>
             <a:chOff x="6832600" y="1470025"/>
             <a:chExt cx="254000" cy="124114"/>
@@ -4866,7 +4866,7 @@
         </p:nvGrpSpPr>
         <p:grpSpPr>
           <a:xfrm>
-            <a:off x="6533963" y="2100536"/>
+            <a:off x="6529426" y="2791186"/>
             <a:ext cx="251079" cy="96280"/>
             <a:chOff x="6743683" y="1469895"/>
             <a:chExt cx="251079" cy="130310"/>
@@ -5008,7 +5008,7 @@
         </p:nvGrpSpPr>
         <p:grpSpPr>
           <a:xfrm>
-            <a:off x="6530721" y="2706745"/>
+            <a:off x="6524853" y="3793833"/>
             <a:ext cx="251079" cy="96280"/>
             <a:chOff x="6743683" y="1469895"/>
             <a:chExt cx="251079" cy="130310"/>
@@ -5150,7 +5150,7 @@
         </p:nvGrpSpPr>
         <p:grpSpPr>
           <a:xfrm>
-            <a:off x="6448873" y="3026381"/>
+            <a:off x="6449207" y="4006836"/>
             <a:ext cx="251079" cy="96280"/>
             <a:chOff x="6743683" y="1469895"/>
             <a:chExt cx="251079" cy="130310"/>
@@ -5358,7 +5358,7 @@
         </p:nvSpPr>
         <p:spPr>
           <a:xfrm>
-            <a:off x="6344413" y="1594621"/>
+            <a:off x="6292973" y="1877705"/>
             <a:ext cx="2691835" cy="184666"/>
           </a:xfrm>
           <a:prstGeom prst="rect">
@@ -5424,7 +5424,7 @@
         </p:nvSpPr>
         <p:spPr>
           <a:xfrm>
-            <a:off x="6344413" y="2189557"/>
+            <a:off x="6222113" y="3057421"/>
             <a:ext cx="2691835" cy="184666"/>
           </a:xfrm>
           <a:prstGeom prst="rect">
